--- a/Service_Reliability_Presentation.pptx
+++ b/Service_Reliability_Presentation.pptx
@@ -17,6 +17,8 @@
     <p:sldId id="265" r:id="rId16"/>
     <p:sldId id="266" r:id="rId17"/>
     <p:sldId id="267" r:id="rId18"/>
+    <p:sldId id="268" r:id="rId19"/>
+    <p:sldId id="269" r:id="rId20"/>
   </p:sldIdLst>
   <p:sldSz cx="9144000" cy="6858000" type="screen4x3"/>
   <p:notesSz cx="6858000" cy="9144000"/>
@@ -3175,7 +3177,7 @@
           <a:lstStyle/>
           <a:p>
             <a:r>
-              <a:t>Các Metric bổ trợ quan trọng</a:t>
+              <a:t>Golden Signal 4: Saturation (Độ bão hòa)</a:t>
             </a:r>
           </a:p>
         </p:txBody>
@@ -3198,37 +3200,49 @@
           <a:p>
             <a:pPr/>
             <a:r>
-              <a:t>MTTR (Mean Time To Repair/Recovery): Thời gian trung bình để phục hồi sau sự cố.</a:t>
+              <a:t>Đo lường mức độ "bận rộn" hoặc "đầy" của hệ thống.</a:t>
+            </a:r>
+          </a:p>
+          <a:p>
+            <a:pPr/>
+            <a:r>
+              <a:t>Là một chỉ số dự báo (leading indicator) về các sự cố sắp xảy ra.</a:t>
+            </a:r>
+          </a:p>
+          <a:p>
+            <a:pPr/>
+            <a:r>
+              <a:t>Các tài nguyên cần theo dõi:</a:t>
             </a:r>
           </a:p>
           <a:p>
             <a:pPr lvl="1"/>
             <a:r>
-              <a:t>Đo lường khả năng phản ứng của đội ngũ.</a:t>
+              <a:t>CPU utilization</a:t>
             </a:r>
           </a:p>
           <a:p>
             <a:pPr lvl="2"/>
             <a:r>
-              <a:t>Mục tiêu: Càng thấp càng tốt.</a:t>
-            </a:r>
-          </a:p>
-          <a:p>
-            <a:pPr/>
-            <a:r>
-              <a:t>MTBF (Mean Time Between Failures): Thời gian trung bình giữa các sự cố.</a:t>
-            </a:r>
-          </a:p>
-          <a:p>
-            <a:pPr lvl="1"/>
-            <a:r>
-              <a:t>Đo lường sự ổn định của hệ thống.</a:t>
+              <a:t>Memory usage</a:t>
             </a:r>
           </a:p>
           <a:p>
             <a:pPr lvl="2"/>
             <a:r>
-              <a:t>Mục tiêu: Càng cao càng tốt.</a:t>
+              <a:t>Disk I/O</a:t>
+            </a:r>
+          </a:p>
+          <a:p>
+            <a:pPr lvl="2"/>
+            <a:r>
+              <a:t>Network bandwidth</a:t>
+            </a:r>
+          </a:p>
+          <a:p>
+            <a:pPr/>
+            <a:r>
+              <a:t>Mục tiêu (SLO ví dụ): Mức sử dụng CPU không được vượt quá 85% trong 5 phút.</a:t>
             </a:r>
           </a:p>
         </p:txBody>
@@ -3267,7 +3281,7 @@
           <a:lstStyle/>
           <a:p>
             <a:r>
-              <a:t>Tổng kết</a:t>
+              <a:t>SLI, SLO, SLA: Nền tảng của Reliability</a:t>
             </a:r>
           </a:p>
         </p:txBody>
@@ -3290,31 +3304,85 @@
           <a:p>
             <a:pPr/>
             <a:r>
-              <a:t>Reliability là nền tảng của một dịch vụ thành công, tạo dựng niềm tin cho người dùng.</a:t>
-            </a:r>
-          </a:p>
-          <a:p>
-            <a:pPr/>
-            <a:r>
-              <a:t>Bắt đầu đo lường với The Four Golden Signals: Latency, Errors, Traffic, Saturation.</a:t>
-            </a:r>
-          </a:p>
-          <a:p>
-            <a:pPr/>
-            <a:r>
-              <a:t>Thiết lập SLI và SLO rõ ràng để định nghĩa "đủ tốt" là như thế nào.</a:t>
-            </a:r>
-          </a:p>
-          <a:p>
-            <a:pPr/>
-            <a:r>
-              <a:t>Luôn cố gắng cải thiện MTTR (phản ứng nhanh hơn) và MTBF (ít lỗi hơn).</a:t>
-            </a:r>
-          </a:p>
-          <a:p>
-            <a:pPr/>
-            <a:r>
-              <a:t>Độ tin cậy là trách nhiệm của cả đội ngũ, không chỉ của riêng ai.</a:t>
+              <a:t>SLI (Service Level Indicator): Chỉ số bạn đo lường.</a:t>
+            </a:r>
+          </a:p>
+          <a:p>
+            <a:pPr lvl="1"/>
+            <a:r>
+              <a:t>Là một chỉ số định lượng (quantitative measure) về một khía cạnh của dịch vụ.</a:t>
+            </a:r>
+          </a:p>
+          <a:p>
+            <a:pPr lvl="2"/>
+            <a:r>
+              <a:t>Phải đo lường được và phản ánh đúng trải nghiệm của người dùng.</a:t>
+            </a:r>
+          </a:p>
+          <a:p>
+            <a:pPr lvl="2"/>
+            <a:r>
+              <a:t>Ví dụ: Tỷ lệ lỗi của request, Độ trễ của response, Tỷ lệ request thành công.</a:t>
+            </a:r>
+          </a:p>
+          <a:p>
+            <a:pPr/>
+            <a:r>
+              <a:t>SLO (Service Level Objective): Mục tiêu bạn cam kết đạt được.</a:t>
+            </a:r>
+          </a:p>
+          <a:p>
+            <a:pPr lvl="1"/>
+            <a:r>
+              <a:t>Là mục tiêu cụ thể cho một SLI trong một khoảng thời gian.</a:t>
+            </a:r>
+          </a:p>
+          <a:p>
+            <a:pPr lvl="2"/>
+            <a:r>
+              <a:t>Là cam kết nội bộ, không phải là hợp đồng với khách hàng.</a:t>
+            </a:r>
+          </a:p>
+          <a:p>
+            <a:pPr lvl="2"/>
+            <a:r>
+              <a:t>Ví dụ: 99.9% request phải thành công trong 1 tháng.</a:t>
+            </a:r>
+          </a:p>
+          <a:p>
+            <a:pPr lvl="2"/>
+            <a:r>
+              <a:t>Error Budget được suy ra từ SLO: 100% - SLO. Ví dụ: 1 - 99.9% = 0.1% lỗi được phép.</a:t>
+            </a:r>
+          </a:p>
+          <a:p>
+            <a:pPr/>
+            <a:r>
+              <a:t>SLA (Service Level Agreement): Hợp đồng với khách hàng.</a:t>
+            </a:r>
+          </a:p>
+          <a:p>
+            <a:pPr lvl="1"/>
+            <a:r>
+              <a:t>Là một hợp đồng chính thức với khách hàng, bao gồm các SLO.</a:t>
+            </a:r>
+          </a:p>
+          <a:p>
+            <a:pPr lvl="2"/>
+            <a:r>
+              <a:t>Thường có điều khoản phạt (penalties) nếu không đáp ứng được.</a:t>
+            </a:r>
+          </a:p>
+          <a:p>
+            <a:pPr lvl="2"/>
+            <a:r>
+              <a:t>SLA thường 'lỏng' hơn SLO để giảm rủi ro kinh doanh.</a:t>
+            </a:r>
+          </a:p>
+          <a:p>
+            <a:pPr lvl="2"/>
+            <a:r>
+              <a:t>Ví dụ: Nếu uptime &lt; 99.9% trong một tháng, khách hàng sẽ được giảm giá 10%.</a:t>
             </a:r>
           </a:p>
         </p:txBody>
@@ -3344,6 +3412,184 @@
             <a:spLocks noGrp="1"/>
           </p:cNvSpPr>
           <p:nvPr>
+            <p:ph type="title"/>
+          </p:nvPr>
+        </p:nvSpPr>
+        <p:spPr/>
+        <p:txBody>
+          <a:bodyPr/>
+          <a:lstStyle/>
+          <a:p>
+            <a:r>
+              <a:t>Các Metric bổ trợ quan trọng</a:t>
+            </a:r>
+          </a:p>
+        </p:txBody>
+      </p:sp>
+      <p:sp>
+        <p:nvSpPr>
+          <p:cNvPr id="3" name="Content Placeholder 2"/>
+          <p:cNvSpPr>
+            <a:spLocks noGrp="1"/>
+          </p:cNvSpPr>
+          <p:nvPr>
+            <p:ph idx="1"/>
+          </p:nvPr>
+        </p:nvSpPr>
+        <p:spPr/>
+        <p:txBody>
+          <a:bodyPr/>
+          <a:lstStyle/>
+          <a:p/>
+          <a:p>
+            <a:pPr/>
+            <a:r>
+              <a:t>MTTR (Mean Time To Repair/Recovery): Thời gian trung bình để phục hồi sau sự cố.</a:t>
+            </a:r>
+          </a:p>
+          <a:p>
+            <a:pPr lvl="1"/>
+            <a:r>
+              <a:t>Đo lường khả năng phản ứng của đội ngũ.</a:t>
+            </a:r>
+          </a:p>
+          <a:p>
+            <a:pPr lvl="2"/>
+            <a:r>
+              <a:t>Mục tiêu: Càng thấp càng tốt.</a:t>
+            </a:r>
+          </a:p>
+          <a:p>
+            <a:pPr/>
+            <a:r>
+              <a:t>MTBF (Mean Time Between Failures): Thời gian trung bình giữa các sự cố.</a:t>
+            </a:r>
+          </a:p>
+          <a:p>
+            <a:pPr lvl="1"/>
+            <a:r>
+              <a:t>Đo lường sự ổn định của hệ thống.</a:t>
+            </a:r>
+          </a:p>
+          <a:p>
+            <a:pPr lvl="2"/>
+            <a:r>
+              <a:t>Mục tiêu: Càng cao càng tốt.</a:t>
+            </a:r>
+          </a:p>
+        </p:txBody>
+      </p:sp>
+    </p:spTree>
+  </p:cSld>
+  <p:clrMapOvr>
+    <a:masterClrMapping/>
+  </p:clrMapOvr>
+</p:sld>
+</file>
+
+<file path=ppt/slides/slide13.xml><?xml version="1.0" encoding="utf-8"?>
+<p:sld xmlns:a="http://schemas.openxmlformats.org/drawingml/2006/main" xmlns:p="http://schemas.openxmlformats.org/presentationml/2006/main" xmlns:r="http://schemas.openxmlformats.org/officeDocument/2006/relationships">
+  <p:cSld>
+    <p:spTree>
+      <p:nvGrpSpPr>
+        <p:cNvPr id="1" name=""/>
+        <p:cNvGrpSpPr/>
+        <p:nvPr/>
+      </p:nvGrpSpPr>
+      <p:grpSpPr/>
+      <p:sp>
+        <p:nvSpPr>
+          <p:cNvPr id="2" name="Title 1"/>
+          <p:cNvSpPr>
+            <a:spLocks noGrp="1"/>
+          </p:cNvSpPr>
+          <p:nvPr>
+            <p:ph type="title"/>
+          </p:nvPr>
+        </p:nvSpPr>
+        <p:spPr/>
+        <p:txBody>
+          <a:bodyPr/>
+          <a:lstStyle/>
+          <a:p>
+            <a:r>
+              <a:t>Tổng kết</a:t>
+            </a:r>
+          </a:p>
+        </p:txBody>
+      </p:sp>
+      <p:sp>
+        <p:nvSpPr>
+          <p:cNvPr id="3" name="Content Placeholder 2"/>
+          <p:cNvSpPr>
+            <a:spLocks noGrp="1"/>
+          </p:cNvSpPr>
+          <p:nvPr>
+            <p:ph idx="1"/>
+          </p:nvPr>
+        </p:nvSpPr>
+        <p:spPr/>
+        <p:txBody>
+          <a:bodyPr/>
+          <a:lstStyle/>
+          <a:p/>
+          <a:p>
+            <a:pPr/>
+            <a:r>
+              <a:t>Reliability là nền tảng của một dịch vụ thành công, tạo dựng niềm tin cho người dùng.</a:t>
+            </a:r>
+          </a:p>
+          <a:p>
+            <a:pPr/>
+            <a:r>
+              <a:t>Bắt đầu đo lường với The Four Golden Signals: Latency, Errors, Traffic, Saturation.</a:t>
+            </a:r>
+          </a:p>
+          <a:p>
+            <a:pPr/>
+            <a:r>
+              <a:t>Thiết lập SLI và SLO rõ ràng để định nghĩa "đủ tốt" là như thế nào.</a:t>
+            </a:r>
+          </a:p>
+          <a:p>
+            <a:pPr/>
+            <a:r>
+              <a:t>Luôn cố gắng cải thiện MTTR (phản ứng nhanh hơn) và MTBF (ít lỗi hơn).</a:t>
+            </a:r>
+          </a:p>
+          <a:p>
+            <a:pPr/>
+            <a:r>
+              <a:t>Độ tin cậy là trách nhiệm của cả đội ngũ, không chỉ của riêng ai.</a:t>
+            </a:r>
+          </a:p>
+        </p:txBody>
+      </p:sp>
+    </p:spTree>
+  </p:cSld>
+  <p:clrMapOvr>
+    <a:masterClrMapping/>
+  </p:clrMapOvr>
+</p:sld>
+</file>
+
+<file path=ppt/slides/slide14.xml><?xml version="1.0" encoding="utf-8"?>
+<p:sld xmlns:a="http://schemas.openxmlformats.org/drawingml/2006/main" xmlns:p="http://schemas.openxmlformats.org/presentationml/2006/main" xmlns:r="http://schemas.openxmlformats.org/officeDocument/2006/relationships">
+  <p:cSld>
+    <p:spTree>
+      <p:nvGrpSpPr>
+        <p:cNvPr id="1" name=""/>
+        <p:cNvGrpSpPr/>
+        <p:nvPr/>
+      </p:nvGrpSpPr>
+      <p:grpSpPr/>
+      <p:sp>
+        <p:nvSpPr>
+          <p:cNvPr id="2" name="Title 1"/>
+          <p:cNvSpPr>
+            <a:spLocks noGrp="1"/>
+          </p:cNvSpPr>
+          <p:nvPr>
             <p:ph type="ctrTitle"/>
           </p:nvPr>
         </p:nvSpPr>
@@ -3638,7 +3884,7 @@
           <a:p>
             <a:pPr/>
             <a:r>
-              <a:t>Bảo vệ danh tiếng thương hiệu: Một sự cố lớn có thể gây tổn hại hình ảnh công ty.</a:t>
+              <a:t>Bảo vệ danh tiếng: Một sự cố lớn có thể gây tổn hại hình ảnh của team.</a:t>
             </a:r>
           </a:p>
         </p:txBody>
@@ -3855,7 +4101,7 @@
           <a:lstStyle/>
           <a:p>
             <a:r>
-              <a:t>Golden Signal 2: Errors (Tỷ lệ lỗi)</a:t>
+              <a:t>Latency p95/p99: Tiêu chuẩn ngành</a:t>
             </a:r>
           </a:p>
         </p:txBody>
@@ -3878,37 +4124,43 @@
           <a:p>
             <a:pPr/>
             <a:r>
-              <a:t>Đo lường tần suất các yêu cầu bị lỗi.</a:t>
-            </a:r>
-          </a:p>
-          <a:p>
-            <a:pPr/>
-            <a:r>
-              <a:t>Bao gồm cả lỗi rõ ràng (explicit) và lỗi ngầm (implicit):</a:t>
+              <a:t>Đối với các dịch vụ User-Facing (web/mobile app), p95 hoặc p99 latency là thước đo quan trọng nhất.</a:t>
+            </a:r>
+          </a:p>
+          <a:p>
+            <a:pPr/>
+            <a:r>
+              <a:t>Ngưỡng tâm lý người dùng:</a:t>
             </a:r>
           </a:p>
           <a:p>
             <a:pPr lvl="1"/>
             <a:r>
-              <a:t>Lỗi rõ ràng: HTTP 500, crash...</a:t>
+              <a:t>&lt; 100ms: Phản hồi tức thì.</a:t>
             </a:r>
           </a:p>
           <a:p>
             <a:pPr lvl="2"/>
             <a:r>
-              <a:t>Lỗi ngầm: Trả về kết quả 200 OK nhưng nội dung sai.</a:t>
-            </a:r>
-          </a:p>
-          <a:p>
-            <a:pPr/>
-            <a:r>
-              <a:t>Công thức: (Số request lỗi / Tổng số request) x 100%</a:t>
-            </a:r>
-          </a:p>
-          <a:p>
-            <a:pPr/>
-            <a:r>
-              <a:t>Mục tiêu (SLO ví dụ): Tỷ lệ lỗi cho API thanh toán phải &lt; 0.05%.</a:t>
+              <a:t>200-250ms: Vẫn cảm thấy nhanh, chấp nhận được.</a:t>
+            </a:r>
+          </a:p>
+          <a:p>
+            <a:pPr lvl="2"/>
+            <a:r>
+              <a:t>&gt; 500ms: Bắt đầu cảm thấy chậm, khó chịu.</a:t>
+            </a:r>
+          </a:p>
+          <a:p>
+            <a:pPr lvl="2"/>
+            <a:r>
+              <a:t>&gt; 1s: Mất tập trung, có nguy cơ rời bỏ.</a:t>
+            </a:r>
+          </a:p>
+          <a:p>
+            <a:pPr/>
+            <a:r>
+              <a:t>Vì vậy, 200-250ms cho p95/p99 là tiêu chuẩn ngành cho các tác vụ chính.</a:t>
             </a:r>
           </a:p>
         </p:txBody>
@@ -3947,7 +4199,7 @@
           <a:lstStyle/>
           <a:p>
             <a:r>
-              <a:t>Golden Signal 3: Saturation (Độ bão hòa)</a:t>
+              <a:t>Golden Signal 2: Traffic (Lưu lượng)</a:t>
             </a:r>
           </a:p>
         </p:txBody>
@@ -3970,49 +4222,43 @@
           <a:p>
             <a:pPr/>
             <a:r>
-              <a:t>Đo lường mức độ "bận rộn" hoặc "đầy" của hệ thống.</a:t>
-            </a:r>
-          </a:p>
-          <a:p>
-            <a:pPr/>
-            <a:r>
-              <a:t>Là một chỉ số dự báo (leading indicator) về các sự cố sắp xảy ra.</a:t>
-            </a:r>
-          </a:p>
-          <a:p>
-            <a:pPr/>
-            <a:r>
-              <a:t>Các tài nguyên cần theo dõi:</a:t>
+              <a:t>Đo lường mức độ nhu cầu (demand) đang đặt lên hệ thống.</a:t>
+            </a:r>
+          </a:p>
+          <a:p>
+            <a:pPr/>
+            <a:r>
+              <a:t>Giúp hiểu rõ quy mô và sự tăng trưởng của dịch vụ.</a:t>
+            </a:r>
+          </a:p>
+          <a:p>
+            <a:pPr/>
+            <a:r>
+              <a:t>Cách đo lường:</a:t>
             </a:r>
           </a:p>
           <a:p>
             <a:pPr lvl="1"/>
             <a:r>
-              <a:t>CPU utilization</a:t>
+              <a:t>Đối với API/web service: Requests Per Second (RPS).</a:t>
             </a:r>
           </a:p>
           <a:p>
             <a:pPr lvl="2"/>
             <a:r>
-              <a:t>Memory usage</a:t>
+              <a:t>Đối với hệ thống streaming: Events Per Second.</a:t>
             </a:r>
           </a:p>
           <a:p>
             <a:pPr lvl="2"/>
             <a:r>
-              <a:t>Disk I/O</a:t>
-            </a:r>
-          </a:p>
-          <a:p>
-            <a:pPr lvl="2"/>
-            <a:r>
-              <a:t>Network bandwidth</a:t>
-            </a:r>
-          </a:p>
-          <a:p>
-            <a:pPr/>
-            <a:r>
-              <a:t>Mục tiêu (SLO ví dụ): Mức sử dụng CPU không được vượt quá 85% trong 5 phút.</a:t>
+              <a:t>Đối với hệ thống e-commerce: Giao dịch mỗi phút.</a:t>
+            </a:r>
+          </a:p>
+          <a:p>
+            <a:pPr/>
+            <a:r>
+              <a:t>Quan trọng cho việc capacity planning và phát hiện các thay đổi bất thường (vd: botnet attack).</a:t>
             </a:r>
           </a:p>
         </p:txBody>
@@ -4051,7 +4297,7 @@
           <a:lstStyle/>
           <a:p>
             <a:r>
-              <a:t>SLI, SLO, SLA: Nền tảng của Reliability</a:t>
+              <a:t>Golden Signal 3: Errors (Tỷ lệ lỗi)</a:t>
             </a:r>
           </a:p>
         </p:txBody>
@@ -4074,85 +4320,37 @@
           <a:p>
             <a:pPr/>
             <a:r>
-              <a:t>SLI (Service Level Indicator): Chỉ số bạn đo lường.</a:t>
+              <a:t>Đo lường tần suất các yêu cầu bị lỗi.</a:t>
+            </a:r>
+          </a:p>
+          <a:p>
+            <a:pPr/>
+            <a:r>
+              <a:t>Bao gồm cả lỗi rõ ràng (explicit) và lỗi ngầm (implicit):</a:t>
             </a:r>
           </a:p>
           <a:p>
             <a:pPr lvl="1"/>
             <a:r>
-              <a:t>Là một chỉ số định lượng (quantitative measure) về một khía cạnh của dịch vụ.</a:t>
+              <a:t>Lỗi rõ ràng: HTTP 500, crash...</a:t>
             </a:r>
           </a:p>
           <a:p>
             <a:pPr lvl="2"/>
             <a:r>
-              <a:t>Phải đo lường được và phản ánh đúng trải nghiệm của người dùng.</a:t>
-            </a:r>
-          </a:p>
-          <a:p>
-            <a:pPr lvl="2"/>
-            <a:r>
-              <a:t>Ví dụ: Tỷ lệ lỗi của request, Độ trễ của response, Tỷ lệ request thành công.</a:t>
-            </a:r>
-          </a:p>
-          <a:p>
-            <a:pPr/>
-            <a:r>
-              <a:t>SLO (Service Level Objective): Mục tiêu bạn cam kết đạt được.</a:t>
-            </a:r>
-          </a:p>
-          <a:p>
-            <a:pPr lvl="1"/>
-            <a:r>
-              <a:t>Là mục tiêu cụ thể cho một SLI trong một khoảng thời gian.</a:t>
-            </a:r>
-          </a:p>
-          <a:p>
-            <a:pPr lvl="2"/>
-            <a:r>
-              <a:t>Là cam kết nội bộ, không phải là hợp đồng với khách hàng.</a:t>
-            </a:r>
-          </a:p>
-          <a:p>
-            <a:pPr lvl="2"/>
-            <a:r>
-              <a:t>Ví dụ: 99.9% request phải thành công trong 1 tháng.</a:t>
-            </a:r>
-          </a:p>
-          <a:p>
-            <a:pPr lvl="2"/>
-            <a:r>
-              <a:t>Error Budget được suy ra từ SLO: 100% - SLO. Ví dụ: 1 - 99.9% = 0.1% lỗi được phép.</a:t>
-            </a:r>
-          </a:p>
-          <a:p>
-            <a:pPr/>
-            <a:r>
-              <a:t>SLA (Service Level Agreement): Hợp đồng với khách hàng.</a:t>
-            </a:r>
-          </a:p>
-          <a:p>
-            <a:pPr lvl="1"/>
-            <a:r>
-              <a:t>Là một hợp đồng chính thức với khách hàng, bao gồm các SLO.</a:t>
-            </a:r>
-          </a:p>
-          <a:p>
-            <a:pPr lvl="2"/>
-            <a:r>
-              <a:t>Thường có điều khoản phạt (penalties) nếu không đáp ứng được.</a:t>
-            </a:r>
-          </a:p>
-          <a:p>
-            <a:pPr lvl="2"/>
-            <a:r>
-              <a:t>SLA thường 'lỏng' hơn SLO để giảm rủi ro kinh doanh.</a:t>
-            </a:r>
-          </a:p>
-          <a:p>
-            <a:pPr lvl="2"/>
-            <a:r>
-              <a:t>Ví dụ: Nếu uptime &lt; 99.9% trong một tháng, khách hàng sẽ được giảm giá 10%.</a:t>
+              <a:t>Lỗi ngầm: Trả về kết quả 200 OK nhưng nội dung sai.</a:t>
+            </a:r>
+          </a:p>
+          <a:p>
+            <a:pPr/>
+            <a:r>
+              <a:t>Công thức: (Số request lỗi / Tổng số request) x 100%</a:t>
+            </a:r>
+          </a:p>
+          <a:p>
+            <a:pPr/>
+            <a:r>
+              <a:t>Mục tiêu (SLO ví dụ): Tỷ lệ lỗi cho API thanh toán phải &lt; 0.05%.</a:t>
             </a:r>
           </a:p>
         </p:txBody>
